--- a/Later/Spring_Later/20_SprintBoot_Basics/11/Spring Boot @Value.pptx
+++ b/Later/Spring_Later/20_SprintBoot_Basics/11/Spring Boot @Value.pptx
@@ -3908,7 +3908,6 @@
               <a:rPr lang="en-US" sz="1200" dirty="0"/>
               <a:t>The @Value annotation is used to read the environment or application property value in Java code.</a:t>
             </a:r>
-            <a:endParaRPr lang="en-US" sz="1200" dirty="0"/>
           </a:p>
         </p:txBody>
       </p:sp>
@@ -4075,6 +4074,309 @@
           </a:fontRef>
         </p:style>
       </p:cxnSp>
+      <p:sp>
+        <p:nvSpPr>
+          <p:cNvPr id="15" name="Flowchart: Alternate Process 14"/>
+          <p:cNvSpPr/>
+          <p:nvPr/>
+        </p:nvSpPr>
+        <p:spPr>
+          <a:xfrm>
+            <a:off x="5181600" y="3581400"/>
+            <a:ext cx="3048002" cy="384048"/>
+          </a:xfrm>
+          <a:prstGeom prst="flowChartAlternateProcess">
+            <a:avLst/>
+          </a:prstGeom>
+        </p:spPr>
+        <p:style>
+          <a:lnRef idx="1">
+            <a:schemeClr val="accent2"/>
+          </a:lnRef>
+          <a:fillRef idx="3">
+            <a:schemeClr val="accent2"/>
+          </a:fillRef>
+          <a:effectRef idx="2">
+            <a:schemeClr val="accent2"/>
+          </a:effectRef>
+          <a:fontRef idx="minor">
+            <a:schemeClr val="lt1"/>
+          </a:fontRef>
+        </p:style>
+        <p:txBody>
+          <a:bodyPr rot="0" spcFirstLastPara="0" vert="horz" wrap="square" lIns="91440" tIns="45720" rIns="91440" bIns="45720" numCol="1" spcCol="0" rtlCol="0" fromWordArt="0" anchor="ctr" anchorCtr="0" forceAA="0" compatLnSpc="1">
+            <a:prstTxWarp prst="textNoShape">
+              <a:avLst/>
+            </a:prstTxWarp>
+            <a:noAutofit/>
+          </a:bodyPr>
+          <a:lstStyle>
+            <a:defPPr>
+              <a:defRPr lang="en-US"/>
+            </a:defPPr>
+            <a:lvl1pPr marL="0" algn="l" defTabSz="914400" rtl="0" eaLnBrk="1" latinLnBrk="0" hangingPunct="1">
+              <a:defRPr sz="1800" kern="1200">
+                <a:solidFill>
+                  <a:schemeClr val="lt1"/>
+                </a:solidFill>
+                <a:latin typeface="+mn-lt"/>
+                <a:ea typeface="+mn-ea"/>
+                <a:cs typeface="+mn-cs"/>
+              </a:defRPr>
+            </a:lvl1pPr>
+            <a:lvl2pPr marL="457200" algn="l" defTabSz="914400" rtl="0" eaLnBrk="1" latinLnBrk="0" hangingPunct="1">
+              <a:defRPr sz="1800" kern="1200">
+                <a:solidFill>
+                  <a:schemeClr val="lt1"/>
+                </a:solidFill>
+                <a:latin typeface="+mn-lt"/>
+                <a:ea typeface="+mn-ea"/>
+                <a:cs typeface="+mn-cs"/>
+              </a:defRPr>
+            </a:lvl2pPr>
+            <a:lvl3pPr marL="914400" algn="l" defTabSz="914400" rtl="0" eaLnBrk="1" latinLnBrk="0" hangingPunct="1">
+              <a:defRPr sz="1800" kern="1200">
+                <a:solidFill>
+                  <a:schemeClr val="lt1"/>
+                </a:solidFill>
+                <a:latin typeface="+mn-lt"/>
+                <a:ea typeface="+mn-ea"/>
+                <a:cs typeface="+mn-cs"/>
+              </a:defRPr>
+            </a:lvl3pPr>
+            <a:lvl4pPr marL="1371600" algn="l" defTabSz="914400" rtl="0" eaLnBrk="1" latinLnBrk="0" hangingPunct="1">
+              <a:defRPr sz="1800" kern="1200">
+                <a:solidFill>
+                  <a:schemeClr val="lt1"/>
+                </a:solidFill>
+                <a:latin typeface="+mn-lt"/>
+                <a:ea typeface="+mn-ea"/>
+                <a:cs typeface="+mn-cs"/>
+              </a:defRPr>
+            </a:lvl4pPr>
+            <a:lvl5pPr marL="1828800" algn="l" defTabSz="914400" rtl="0" eaLnBrk="1" latinLnBrk="0" hangingPunct="1">
+              <a:defRPr sz="1800" kern="1200">
+                <a:solidFill>
+                  <a:schemeClr val="lt1"/>
+                </a:solidFill>
+                <a:latin typeface="+mn-lt"/>
+                <a:ea typeface="+mn-ea"/>
+                <a:cs typeface="+mn-cs"/>
+              </a:defRPr>
+            </a:lvl5pPr>
+            <a:lvl6pPr marL="2286000" algn="l" defTabSz="914400" rtl="0" eaLnBrk="1" latinLnBrk="0" hangingPunct="1">
+              <a:defRPr sz="1800" kern="1200">
+                <a:solidFill>
+                  <a:schemeClr val="lt1"/>
+                </a:solidFill>
+                <a:latin typeface="+mn-lt"/>
+                <a:ea typeface="+mn-ea"/>
+                <a:cs typeface="+mn-cs"/>
+              </a:defRPr>
+            </a:lvl6pPr>
+            <a:lvl7pPr marL="2743200" algn="l" defTabSz="914400" rtl="0" eaLnBrk="1" latinLnBrk="0" hangingPunct="1">
+              <a:defRPr sz="1800" kern="1200">
+                <a:solidFill>
+                  <a:schemeClr val="lt1"/>
+                </a:solidFill>
+                <a:latin typeface="+mn-lt"/>
+                <a:ea typeface="+mn-ea"/>
+                <a:cs typeface="+mn-cs"/>
+              </a:defRPr>
+            </a:lvl7pPr>
+            <a:lvl8pPr marL="3200400" algn="l" defTabSz="914400" rtl="0" eaLnBrk="1" latinLnBrk="0" hangingPunct="1">
+              <a:defRPr sz="1800" kern="1200">
+                <a:solidFill>
+                  <a:schemeClr val="lt1"/>
+                </a:solidFill>
+                <a:latin typeface="+mn-lt"/>
+                <a:ea typeface="+mn-ea"/>
+                <a:cs typeface="+mn-cs"/>
+              </a:defRPr>
+            </a:lvl8pPr>
+            <a:lvl9pPr marL="3657600" algn="l" defTabSz="914400" rtl="0" eaLnBrk="1" latinLnBrk="0" hangingPunct="1">
+              <a:defRPr sz="1800" kern="1200">
+                <a:solidFill>
+                  <a:schemeClr val="lt1"/>
+                </a:solidFill>
+                <a:latin typeface="+mn-lt"/>
+                <a:ea typeface="+mn-ea"/>
+                <a:cs typeface="+mn-cs"/>
+              </a:defRPr>
+            </a:lvl9pPr>
+          </a:lstStyle>
+          <a:p>
+            <a:pPr algn="ctr"/>
+            <a:r>
+              <a:rPr lang="en-US" sz="1200" dirty="0"/>
+              <a:t>@Value("${</a:t>
+            </a:r>
+            <a:r>
+              <a:rPr lang="en-US" sz="1200" dirty="0" err="1"/>
+              <a:t>property_key_name</a:t>
+            </a:r>
+            <a:r>
+              <a:rPr lang="en-US" sz="1200" dirty="0"/>
+              <a:t>}")</a:t>
+            </a:r>
+            <a:endParaRPr lang="en-US" sz="1200" dirty="0"/>
+          </a:p>
+        </p:txBody>
+      </p:sp>
+      <p:sp>
+        <p:nvSpPr>
+          <p:cNvPr id="16" name="Rounded Rectangular Callout 15"/>
+          <p:cNvSpPr/>
+          <p:nvPr/>
+        </p:nvSpPr>
+        <p:spPr>
+          <a:xfrm>
+            <a:off x="5943602" y="4234443"/>
+            <a:ext cx="2667000" cy="612648"/>
+          </a:xfrm>
+          <a:prstGeom prst="wedgeRoundRectCallout">
+            <a:avLst>
+              <a:gd name="adj1" fmla="val -14117"/>
+              <a:gd name="adj2" fmla="val -99063"/>
+              <a:gd name="adj3" fmla="val 16667"/>
+            </a:avLst>
+          </a:prstGeom>
+          <a:ln w="3175"/>
+        </p:spPr>
+        <p:style>
+          <a:lnRef idx="2">
+            <a:schemeClr val="accent4"/>
+          </a:lnRef>
+          <a:fillRef idx="1">
+            <a:schemeClr val="lt1"/>
+          </a:fillRef>
+          <a:effectRef idx="0">
+            <a:schemeClr val="accent4"/>
+          </a:effectRef>
+          <a:fontRef idx="minor">
+            <a:schemeClr val="dk1"/>
+          </a:fontRef>
+        </p:style>
+        <p:txBody>
+          <a:bodyPr rot="0" spcFirstLastPara="0" vert="horz" wrap="square" lIns="91440" tIns="45720" rIns="91440" bIns="45720" numCol="1" spcCol="0" rtlCol="0" fromWordArt="0" anchor="ctr" anchorCtr="0" forceAA="0" compatLnSpc="1">
+            <a:prstTxWarp prst="textNoShape">
+              <a:avLst/>
+            </a:prstTxWarp>
+            <a:noAutofit/>
+          </a:bodyPr>
+          <a:lstStyle>
+            <a:defPPr>
+              <a:defRPr lang="en-US"/>
+            </a:defPPr>
+            <a:lvl1pPr marL="0" algn="l" defTabSz="914400" rtl="0" eaLnBrk="1" latinLnBrk="0" hangingPunct="1">
+              <a:defRPr sz="1800" kern="1200">
+                <a:solidFill>
+                  <a:schemeClr val="dk1"/>
+                </a:solidFill>
+                <a:latin typeface="+mn-lt"/>
+                <a:ea typeface="+mn-ea"/>
+                <a:cs typeface="+mn-cs"/>
+              </a:defRPr>
+            </a:lvl1pPr>
+            <a:lvl2pPr marL="457200" algn="l" defTabSz="914400" rtl="0" eaLnBrk="1" latinLnBrk="0" hangingPunct="1">
+              <a:defRPr sz="1800" kern="1200">
+                <a:solidFill>
+                  <a:schemeClr val="dk1"/>
+                </a:solidFill>
+                <a:latin typeface="+mn-lt"/>
+                <a:ea typeface="+mn-ea"/>
+                <a:cs typeface="+mn-cs"/>
+              </a:defRPr>
+            </a:lvl2pPr>
+            <a:lvl3pPr marL="914400" algn="l" defTabSz="914400" rtl="0" eaLnBrk="1" latinLnBrk="0" hangingPunct="1">
+              <a:defRPr sz="1800" kern="1200">
+                <a:solidFill>
+                  <a:schemeClr val="dk1"/>
+                </a:solidFill>
+                <a:latin typeface="+mn-lt"/>
+                <a:ea typeface="+mn-ea"/>
+                <a:cs typeface="+mn-cs"/>
+              </a:defRPr>
+            </a:lvl3pPr>
+            <a:lvl4pPr marL="1371600" algn="l" defTabSz="914400" rtl="0" eaLnBrk="1" latinLnBrk="0" hangingPunct="1">
+              <a:defRPr sz="1800" kern="1200">
+                <a:solidFill>
+                  <a:schemeClr val="dk1"/>
+                </a:solidFill>
+                <a:latin typeface="+mn-lt"/>
+                <a:ea typeface="+mn-ea"/>
+                <a:cs typeface="+mn-cs"/>
+              </a:defRPr>
+            </a:lvl4pPr>
+            <a:lvl5pPr marL="1828800" algn="l" defTabSz="914400" rtl="0" eaLnBrk="1" latinLnBrk="0" hangingPunct="1">
+              <a:defRPr sz="1800" kern="1200">
+                <a:solidFill>
+                  <a:schemeClr val="dk1"/>
+                </a:solidFill>
+                <a:latin typeface="+mn-lt"/>
+                <a:ea typeface="+mn-ea"/>
+                <a:cs typeface="+mn-cs"/>
+              </a:defRPr>
+            </a:lvl5pPr>
+            <a:lvl6pPr marL="2286000" algn="l" defTabSz="914400" rtl="0" eaLnBrk="1" latinLnBrk="0" hangingPunct="1">
+              <a:defRPr sz="1800" kern="1200">
+                <a:solidFill>
+                  <a:schemeClr val="dk1"/>
+                </a:solidFill>
+                <a:latin typeface="+mn-lt"/>
+                <a:ea typeface="+mn-ea"/>
+                <a:cs typeface="+mn-cs"/>
+              </a:defRPr>
+            </a:lvl6pPr>
+            <a:lvl7pPr marL="2743200" algn="l" defTabSz="914400" rtl="0" eaLnBrk="1" latinLnBrk="0" hangingPunct="1">
+              <a:defRPr sz="1800" kern="1200">
+                <a:solidFill>
+                  <a:schemeClr val="dk1"/>
+                </a:solidFill>
+                <a:latin typeface="+mn-lt"/>
+                <a:ea typeface="+mn-ea"/>
+                <a:cs typeface="+mn-cs"/>
+              </a:defRPr>
+            </a:lvl7pPr>
+            <a:lvl8pPr marL="3200400" algn="l" defTabSz="914400" rtl="0" eaLnBrk="1" latinLnBrk="0" hangingPunct="1">
+              <a:defRPr sz="1800" kern="1200">
+                <a:solidFill>
+                  <a:schemeClr val="dk1"/>
+                </a:solidFill>
+                <a:latin typeface="+mn-lt"/>
+                <a:ea typeface="+mn-ea"/>
+                <a:cs typeface="+mn-cs"/>
+              </a:defRPr>
+            </a:lvl8pPr>
+            <a:lvl9pPr marL="3657600" algn="l" defTabSz="914400" rtl="0" eaLnBrk="1" latinLnBrk="0" hangingPunct="1">
+              <a:defRPr sz="1800" kern="1200">
+                <a:solidFill>
+                  <a:schemeClr val="dk1"/>
+                </a:solidFill>
+                <a:latin typeface="+mn-lt"/>
+                <a:ea typeface="+mn-ea"/>
+                <a:cs typeface="+mn-cs"/>
+              </a:defRPr>
+            </a:lvl9pPr>
+          </a:lstStyle>
+          <a:p>
+            <a:endParaRPr lang="en-US" sz="1200" dirty="0" smtClean="0"/>
+          </a:p>
+          <a:p>
+            <a:r>
+              <a:rPr lang="en-US" sz="1200" dirty="0" smtClean="0"/>
+              <a:t>We </a:t>
+            </a:r>
+            <a:r>
+              <a:rPr lang="en-US" sz="1200" dirty="0"/>
+              <a:t>can set the default value for the property using this syntax </a:t>
+            </a:r>
+          </a:p>
+          <a:p>
+            <a:endParaRPr lang="en-US" sz="1200" dirty="0"/>
+          </a:p>
+        </p:txBody>
+      </p:sp>
     </p:spTree>
     <p:extLst>
       <p:ext uri="{BB962C8B-B14F-4D97-AF65-F5344CB8AC3E}">
